--- a/Livrables/Job Overview.pptx
+++ b/Livrables/Job Overview.pptx
@@ -5,20 +5,23 @@
     <p:sldMasterId id="2147483840" r:id="rId1"/>
   </p:sldMasterIdLst>
   <p:notesMasterIdLst>
-    <p:notesMasterId r:id="rId13"/>
+    <p:notesMasterId r:id="rId16"/>
   </p:notesMasterIdLst>
   <p:sldIdLst>
     <p:sldId id="256" r:id="rId2"/>
     <p:sldId id="257" r:id="rId3"/>
     <p:sldId id="258" r:id="rId4"/>
     <p:sldId id="259" r:id="rId5"/>
-    <p:sldId id="261" r:id="rId6"/>
-    <p:sldId id="266" r:id="rId7"/>
-    <p:sldId id="260" r:id="rId8"/>
-    <p:sldId id="265" r:id="rId9"/>
-    <p:sldId id="262" r:id="rId10"/>
-    <p:sldId id="264" r:id="rId11"/>
-    <p:sldId id="263" r:id="rId12"/>
+    <p:sldId id="267" r:id="rId6"/>
+    <p:sldId id="261" r:id="rId7"/>
+    <p:sldId id="270" r:id="rId8"/>
+    <p:sldId id="266" r:id="rId9"/>
+    <p:sldId id="268" r:id="rId10"/>
+    <p:sldId id="260" r:id="rId11"/>
+    <p:sldId id="262" r:id="rId12"/>
+    <p:sldId id="264" r:id="rId13"/>
+    <p:sldId id="265" r:id="rId14"/>
+    <p:sldId id="269" r:id="rId15"/>
   </p:sldIdLst>
   <p:sldSz cx="12192000" cy="6858000"/>
   <p:notesSz cx="6858000" cy="9144000"/>
@@ -117,6 +120,11 @@
       </a:defRPr>
     </a:lvl9pPr>
   </p:defaultTextStyle>
+  <p:extLst>
+    <p:ext uri="{EFAFB233-063F-42B5-8137-9DF3F51BA10A}">
+      <p15:sldGuideLst xmlns:p15="http://schemas.microsoft.com/office/powerpoint/2012/main"/>
+    </p:ext>
+  </p:extLst>
 </p:presentation>
 </file>
 
@@ -202,7 +210,7 @@
           <a:p>
             <a:fld id="{7BCC3BB0-FD6F-4D6C-8177-A3328F653F53}" type="datetimeFigureOut">
               <a:rPr lang="fr-FR" smtClean="0"/>
-              <a:t>24/05/2017</a:t>
+              <a:t>26/05/2017</a:t>
             </a:fld>
             <a:endParaRPr lang="fr-FR"/>
           </a:p>
@@ -806,7 +814,7 @@
           <a:p>
             <a:fld id="{E6161AFF-F903-4C60-B7A9-2AD7FDA3939C}" type="datetime1">
               <a:rPr lang="en-US" smtClean="0"/>
-              <a:t>5/24/2017</a:t>
+              <a:t>5/26/2017</a:t>
             </a:fld>
             <a:endParaRPr lang="en-US" dirty="0"/>
           </a:p>
@@ -1030,7 +1038,7 @@
           <a:p>
             <a:fld id="{9DEABB6F-6145-41AC-8D82-E7FFB1813CFC}" type="datetime1">
               <a:rPr lang="en-US" smtClean="0"/>
-              <a:t>5/24/2017</a:t>
+              <a:t>5/26/2017</a:t>
             </a:fld>
             <a:endParaRPr lang="en-US" dirty="0"/>
           </a:p>
@@ -1205,7 +1213,7 @@
           <a:p>
             <a:fld id="{EA5CB43B-0B7A-425C-90DE-FCB7A63F4F4E}" type="datetime1">
               <a:rPr lang="en-US" smtClean="0"/>
-              <a:t>5/24/2017</a:t>
+              <a:t>5/26/2017</a:t>
             </a:fld>
             <a:endParaRPr lang="en-US" dirty="0"/>
           </a:p>
@@ -1370,7 +1378,7 @@
           <a:p>
             <a:fld id="{1EBBC3BA-762D-4F68-83EA-5B3154583DEF}" type="datetime1">
               <a:rPr lang="en-US" smtClean="0"/>
-              <a:t>5/24/2017</a:t>
+              <a:t>5/26/2017</a:t>
             </a:fld>
             <a:endParaRPr lang="en-US" dirty="0"/>
           </a:p>
@@ -1619,7 +1627,7 @@
           <a:p>
             <a:fld id="{9E38EC52-C979-4A84-B5BA-8CDDC540ABB0}" type="datetime1">
               <a:rPr lang="en-US" smtClean="0"/>
-              <a:t>5/24/2017</a:t>
+              <a:t>5/26/2017</a:t>
             </a:fld>
             <a:endParaRPr lang="en-US" dirty="0"/>
           </a:p>
@@ -1940,7 +1948,7 @@
           <a:p>
             <a:fld id="{A6DC8917-563B-4534-B10B-1A201A519895}" type="datetime1">
               <a:rPr lang="en-US" smtClean="0"/>
-              <a:t>5/24/2017</a:t>
+              <a:t>5/26/2017</a:t>
             </a:fld>
             <a:endParaRPr lang="en-US" dirty="0"/>
           </a:p>
@@ -2386,7 +2394,7 @@
           <a:p>
             <a:fld id="{590334DC-FC41-426B-AF48-0C4C04D29407}" type="datetime1">
               <a:rPr lang="en-US" smtClean="0"/>
-              <a:t>5/24/2017</a:t>
+              <a:t>5/26/2017</a:t>
             </a:fld>
             <a:endParaRPr lang="en-US" dirty="0"/>
           </a:p>
@@ -2499,7 +2507,7 @@
           <a:p>
             <a:fld id="{34C3E8DE-D993-4944-897F-0C9CE7F0BC9A}" type="datetime1">
               <a:rPr lang="en-US" smtClean="0"/>
-              <a:t>5/24/2017</a:t>
+              <a:t>5/26/2017</a:t>
             </a:fld>
             <a:endParaRPr lang="en-US" dirty="0"/>
           </a:p>
@@ -2589,7 +2597,7 @@
           <a:p>
             <a:fld id="{3FE0700C-8077-4607-BBC0-B508C2C3CD96}" type="datetime1">
               <a:rPr lang="en-US" smtClean="0"/>
-              <a:t>5/24/2017</a:t>
+              <a:t>5/26/2017</a:t>
             </a:fld>
             <a:endParaRPr lang="en-US" dirty="0"/>
           </a:p>
@@ -2871,7 +2879,7 @@
           <a:p>
             <a:fld id="{92120074-4849-4EF7-B412-62EFB52AB6E7}" type="datetime1">
               <a:rPr lang="en-US" smtClean="0"/>
-              <a:t>5/24/2017</a:t>
+              <a:t>5/26/2017</a:t>
             </a:fld>
             <a:endParaRPr lang="en-US" dirty="0"/>
           </a:p>
@@ -3191,7 +3199,7 @@
           <a:p>
             <a:fld id="{D59862FB-4D72-4D4A-81D1-0B8C19A0B439}" type="datetime1">
               <a:rPr lang="en-US" smtClean="0"/>
-              <a:t>5/24/2017</a:t>
+              <a:t>5/26/2017</a:t>
             </a:fld>
             <a:endParaRPr lang="en-US" dirty="0"/>
           </a:p>
@@ -3440,7 +3448,7 @@
           <a:p>
             <a:fld id="{76C32242-29D6-4765-8D62-F29E6C1E0A3F}" type="datetime1">
               <a:rPr lang="en-US" smtClean="0"/>
-              <a:t>5/24/2017</a:t>
+              <a:t>5/26/2017</a:t>
             </a:fld>
             <a:endParaRPr lang="en-US" dirty="0"/>
           </a:p>
@@ -4029,28 +4037,9 @@
           <a:p>
             <a:r>
               <a:rPr lang="fr-FR" dirty="0" smtClean="0"/>
-              <a:t>Conclusion</a:t>
+              <a:t>Architecture</a:t>
             </a:r>
             <a:endParaRPr lang="fr-FR" dirty="0"/>
-          </a:p>
-        </p:txBody>
-      </p:sp>
-      <p:sp>
-        <p:nvSpPr>
-          <p:cNvPr id="3" name="Espace réservé du contenu 2"/>
-          <p:cNvSpPr>
-            <a:spLocks noGrp="1"/>
-          </p:cNvSpPr>
-          <p:nvPr>
-            <p:ph idx="1"/>
-          </p:nvPr>
-        </p:nvSpPr>
-        <p:spPr/>
-        <p:txBody>
-          <a:bodyPr/>
-          <a:lstStyle/>
-          <a:p>
-            <a:endParaRPr lang="fr-FR"/>
           </a:p>
         </p:txBody>
       </p:sp>
@@ -4079,16 +4068,49 @@
           </a:p>
         </p:txBody>
       </p:sp>
+      <p:pic>
+        <p:nvPicPr>
+          <p:cNvPr id="9" name="Espace réservé du contenu 8"/>
+          <p:cNvPicPr>
+            <a:picLocks noGrp="1" noChangeAspect="1"/>
+          </p:cNvPicPr>
+          <p:nvPr>
+            <p:ph idx="1"/>
+          </p:nvPr>
+        </p:nvPicPr>
+        <p:blipFill>
+          <a:blip r:embed="rId2"/>
+          <a:stretch>
+            <a:fillRect/>
+          </a:stretch>
+        </p:blipFill>
+        <p:spPr>
+          <a:xfrm>
+            <a:off x="908384" y="1691322"/>
+            <a:ext cx="9725510" cy="5074603"/>
+          </a:xfrm>
+          <a:prstGeom prst="rect">
+            <a:avLst/>
+          </a:prstGeom>
+        </p:spPr>
+      </p:pic>
     </p:spTree>
     <p:extLst>
       <p:ext uri="{BB962C8B-B14F-4D97-AF65-F5344CB8AC3E}">
-        <p14:creationId xmlns:p14="http://schemas.microsoft.com/office/powerpoint/2010/main" val="2908696770"/>
+        <p14:creationId xmlns:p14="http://schemas.microsoft.com/office/powerpoint/2010/main" val="2637361127"/>
       </p:ext>
     </p:extLst>
   </p:cSld>
   <p:clrMapOvr>
     <a:masterClrMapping/>
   </p:clrMapOvr>
+  <p:timing>
+    <p:tnLst>
+      <p:par>
+        <p:cTn id="1" dur="indefinite" restart="never" nodeType="tmRoot"/>
+      </p:par>
+    </p:tnLst>
+  </p:timing>
 </p:sld>
 </file>
 
@@ -4126,41 +4148,41 @@
           <a:p>
             <a:r>
               <a:rPr lang="fr-FR" dirty="0" smtClean="0"/>
-              <a:t>Mode de financement</a:t>
+              <a:t>Ressources utilisées</a:t>
             </a:r>
             <a:endParaRPr lang="fr-FR" dirty="0"/>
           </a:p>
         </p:txBody>
       </p:sp>
-      <p:sp>
-        <p:nvSpPr>
-          <p:cNvPr id="3" name="Espace réservé du contenu 2"/>
-          <p:cNvSpPr>
-            <a:spLocks noGrp="1"/>
-          </p:cNvSpPr>
+      <p:pic>
+        <p:nvPicPr>
+          <p:cNvPr id="13" name="Espace réservé du contenu 12"/>
+          <p:cNvPicPr>
+            <a:picLocks noGrp="1" noChangeAspect="1"/>
+          </p:cNvPicPr>
           <p:nvPr>
             <p:ph idx="1"/>
           </p:nvPr>
-        </p:nvSpPr>
-        <p:spPr/>
-        <p:txBody>
-          <a:bodyPr/>
-          <a:lstStyle/>
-          <a:p>
-            <a:r>
-              <a:rPr lang="fr-FR" dirty="0" smtClean="0"/>
-              <a:t>Paiement étirable sur plusieurs mois sans frais (contacter notre service client)</a:t>
-            </a:r>
-          </a:p>
-          <a:p>
-            <a:r>
-              <a:rPr lang="fr-FR" dirty="0" smtClean="0"/>
-              <a:t>Abonnement annuel</a:t>
-            </a:r>
-            <a:endParaRPr lang="fr-FR" dirty="0"/>
-          </a:p>
-        </p:txBody>
-      </p:sp>
+        </p:nvPicPr>
+        <p:blipFill>
+          <a:blip r:embed="rId2">
+            <a:extLst>
+              <a:ext uri="{28A0092B-C50C-407E-A947-70E740481C1C}">
+                <a14:useLocalDpi xmlns:a14="http://schemas.microsoft.com/office/drawing/2010/main" val="0"/>
+              </a:ext>
+            </a:extLst>
+          </a:blip>
+          <a:stretch>
+            <a:fillRect/>
+          </a:stretch>
+        </p:blipFill>
+        <p:spPr>
+          <a:xfrm>
+            <a:off x="6405368" y="4289888"/>
+            <a:ext cx="2435138" cy="779244"/>
+          </a:xfrm>
+        </p:spPr>
+      </p:pic>
       <p:sp>
         <p:nvSpPr>
           <p:cNvPr id="5" name="Espace réservé du numéro de diapositive 4"/>
@@ -4186,16 +4208,689 @@
           </a:p>
         </p:txBody>
       </p:sp>
+      <p:pic>
+        <p:nvPicPr>
+          <p:cNvPr id="8" name="Image 7"/>
+          <p:cNvPicPr>
+            <a:picLocks noChangeAspect="1"/>
+          </p:cNvPicPr>
+          <p:nvPr/>
+        </p:nvPicPr>
+        <p:blipFill>
+          <a:blip r:embed="rId3">
+            <a:extLst>
+              <a:ext uri="{28A0092B-C50C-407E-A947-70E740481C1C}">
+                <a14:useLocalDpi xmlns:a14="http://schemas.microsoft.com/office/drawing/2010/main" val="0"/>
+              </a:ext>
+            </a:extLst>
+          </a:blip>
+          <a:stretch>
+            <a:fillRect/>
+          </a:stretch>
+        </p:blipFill>
+        <p:spPr>
+          <a:xfrm>
+            <a:off x="4082076" y="3360663"/>
+            <a:ext cx="1238000" cy="1238000"/>
+          </a:xfrm>
+          <a:prstGeom prst="rect">
+            <a:avLst/>
+          </a:prstGeom>
+        </p:spPr>
+      </p:pic>
+      <p:pic>
+        <p:nvPicPr>
+          <p:cNvPr id="9" name="Image 8"/>
+          <p:cNvPicPr>
+            <a:picLocks noChangeAspect="1"/>
+          </p:cNvPicPr>
+          <p:nvPr/>
+        </p:nvPicPr>
+        <p:blipFill>
+          <a:blip r:embed="rId4">
+            <a:extLst>
+              <a:ext uri="{28A0092B-C50C-407E-A947-70E740481C1C}">
+                <a14:useLocalDpi xmlns:a14="http://schemas.microsoft.com/office/drawing/2010/main" val="0"/>
+              </a:ext>
+            </a:extLst>
+          </a:blip>
+          <a:stretch>
+            <a:fillRect/>
+          </a:stretch>
+        </p:blipFill>
+        <p:spPr>
+          <a:xfrm>
+            <a:off x="1261872" y="1963973"/>
+            <a:ext cx="3439204" cy="604548"/>
+          </a:xfrm>
+          <a:prstGeom prst="rect">
+            <a:avLst/>
+          </a:prstGeom>
+        </p:spPr>
+      </p:pic>
+      <p:pic>
+        <p:nvPicPr>
+          <p:cNvPr id="11" name="Image 10"/>
+          <p:cNvPicPr>
+            <a:picLocks noChangeAspect="1"/>
+          </p:cNvPicPr>
+          <p:nvPr/>
+        </p:nvPicPr>
+        <p:blipFill>
+          <a:blip r:embed="rId5"/>
+          <a:stretch>
+            <a:fillRect/>
+          </a:stretch>
+        </p:blipFill>
+        <p:spPr>
+          <a:xfrm>
+            <a:off x="6230782" y="2520723"/>
+            <a:ext cx="3992946" cy="839940"/>
+          </a:xfrm>
+          <a:prstGeom prst="rect">
+            <a:avLst/>
+          </a:prstGeom>
+        </p:spPr>
+      </p:pic>
+      <p:pic>
+        <p:nvPicPr>
+          <p:cNvPr id="12" name="Image 11"/>
+          <p:cNvPicPr>
+            <a:picLocks noChangeAspect="1"/>
+          </p:cNvPicPr>
+          <p:nvPr/>
+        </p:nvPicPr>
+        <p:blipFill>
+          <a:blip r:embed="rId6">
+            <a:extLst>
+              <a:ext uri="{28A0092B-C50C-407E-A947-70E740481C1C}">
+                <a14:useLocalDpi xmlns:a14="http://schemas.microsoft.com/office/drawing/2010/main" val="0"/>
+              </a:ext>
+            </a:extLst>
+          </a:blip>
+          <a:stretch>
+            <a:fillRect/>
+          </a:stretch>
+        </p:blipFill>
+        <p:spPr>
+          <a:xfrm>
+            <a:off x="1305294" y="4904127"/>
+            <a:ext cx="3504078" cy="973355"/>
+          </a:xfrm>
+          <a:prstGeom prst="rect">
+            <a:avLst/>
+          </a:prstGeom>
+        </p:spPr>
+      </p:pic>
     </p:spTree>
     <p:extLst>
       <p:ext uri="{BB962C8B-B14F-4D97-AF65-F5344CB8AC3E}">
-        <p14:creationId xmlns:p14="http://schemas.microsoft.com/office/powerpoint/2010/main" val="31386532"/>
+        <p14:creationId xmlns:p14="http://schemas.microsoft.com/office/powerpoint/2010/main" val="3263233998"/>
       </p:ext>
     </p:extLst>
   </p:cSld>
   <p:clrMapOvr>
     <a:masterClrMapping/>
   </p:clrMapOvr>
+  <p:timing>
+    <p:tnLst>
+      <p:par>
+        <p:cTn id="1" dur="indefinite" restart="never" nodeType="tmRoot"/>
+      </p:par>
+    </p:tnLst>
+  </p:timing>
+</p:sld>
+</file>
+
+<file path=ppt/slides/slide12.xml><?xml version="1.0" encoding="utf-8"?>
+<p:sld xmlns:a="http://schemas.openxmlformats.org/drawingml/2006/main" xmlns:r="http://schemas.openxmlformats.org/officeDocument/2006/relationships" xmlns:p="http://schemas.openxmlformats.org/presentationml/2006/main">
+  <p:cSld>
+    <p:spTree>
+      <p:nvGrpSpPr>
+        <p:cNvPr id="1" name=""/>
+        <p:cNvGrpSpPr/>
+        <p:nvPr/>
+      </p:nvGrpSpPr>
+      <p:grpSpPr>
+        <a:xfrm>
+          <a:off x="0" y="0"/>
+          <a:ext cx="0" cy="0"/>
+          <a:chOff x="0" y="0"/>
+          <a:chExt cx="0" cy="0"/>
+        </a:xfrm>
+      </p:grpSpPr>
+      <p:sp>
+        <p:nvSpPr>
+          <p:cNvPr id="2" name="Titre 1"/>
+          <p:cNvSpPr>
+            <a:spLocks noGrp="1"/>
+          </p:cNvSpPr>
+          <p:nvPr>
+            <p:ph type="title"/>
+          </p:nvPr>
+        </p:nvSpPr>
+        <p:spPr/>
+        <p:txBody>
+          <a:bodyPr/>
+          <a:lstStyle/>
+          <a:p>
+            <a:r>
+              <a:rPr lang="fr-FR" dirty="0" smtClean="0"/>
+              <a:t>Conclusion</a:t>
+            </a:r>
+            <a:endParaRPr lang="fr-FR" dirty="0"/>
+          </a:p>
+        </p:txBody>
+      </p:sp>
+      <p:sp>
+        <p:nvSpPr>
+          <p:cNvPr id="3" name="Espace réservé du contenu 2"/>
+          <p:cNvSpPr>
+            <a:spLocks noGrp="1"/>
+          </p:cNvSpPr>
+          <p:nvPr>
+            <p:ph idx="1"/>
+          </p:nvPr>
+        </p:nvSpPr>
+        <p:spPr/>
+        <p:txBody>
+          <a:bodyPr>
+            <a:normAutofit lnSpcReduction="10000"/>
+          </a:bodyPr>
+          <a:lstStyle/>
+          <a:p>
+            <a:pPr>
+              <a:lnSpc>
+                <a:spcPct val="200000"/>
+              </a:lnSpc>
+            </a:pPr>
+            <a:r>
+              <a:rPr lang="fr-FR" dirty="0"/>
+              <a:t>Cahier des </a:t>
+            </a:r>
+            <a:r>
+              <a:rPr lang="fr-FR" dirty="0" smtClean="0"/>
+              <a:t>charges tenu ?</a:t>
+            </a:r>
+            <a:endParaRPr lang="fr-FR" dirty="0"/>
+          </a:p>
+          <a:p>
+            <a:pPr lvl="1">
+              <a:lnSpc>
+                <a:spcPct val="200000"/>
+              </a:lnSpc>
+            </a:pPr>
+            <a:r>
+              <a:rPr lang="fr-FR" dirty="0" smtClean="0"/>
+              <a:t>Respect de l’architecture </a:t>
+            </a:r>
+            <a:r>
+              <a:rPr lang="fr-FR" dirty="0"/>
+              <a:t>MVVM</a:t>
+            </a:r>
+          </a:p>
+          <a:p>
+            <a:pPr lvl="1">
+              <a:lnSpc>
+                <a:spcPct val="200000"/>
+              </a:lnSpc>
+            </a:pPr>
+            <a:r>
+              <a:rPr lang="fr-FR" dirty="0"/>
+              <a:t>Testabilité de l’application à l’aide d’un jeu de données</a:t>
+            </a:r>
+          </a:p>
+          <a:p>
+            <a:pPr lvl="1">
+              <a:lnSpc>
+                <a:spcPct val="200000"/>
+              </a:lnSpc>
+            </a:pPr>
+            <a:r>
+              <a:rPr lang="fr-FR" dirty="0"/>
+              <a:t>Chaîne de connexion à la base de données modifiable via un fichier de configuration</a:t>
+            </a:r>
+          </a:p>
+          <a:p>
+            <a:pPr lvl="1">
+              <a:lnSpc>
+                <a:spcPct val="200000"/>
+              </a:lnSpc>
+            </a:pPr>
+            <a:r>
+              <a:rPr lang="fr-FR" dirty="0"/>
+              <a:t>Gérer deux types d’utilisateurs </a:t>
+            </a:r>
+            <a:r>
+              <a:rPr lang="fr-FR" i="1" dirty="0"/>
+              <a:t>normal </a:t>
+            </a:r>
+            <a:r>
+              <a:rPr lang="fr-FR" dirty="0"/>
+              <a:t>et </a:t>
+            </a:r>
+            <a:r>
+              <a:rPr lang="fr-FR" i="1" dirty="0"/>
+              <a:t>manager</a:t>
+            </a:r>
+          </a:p>
+          <a:p>
+            <a:pPr lvl="1">
+              <a:lnSpc>
+                <a:spcPct val="200000"/>
+              </a:lnSpc>
+            </a:pPr>
+            <a:r>
+              <a:rPr lang="fr-FR" dirty="0"/>
+              <a:t>Le dernier utilisateur doit être mémorisé et sélectionné automatiquement dans la liste déroulante</a:t>
+            </a:r>
+          </a:p>
+          <a:p>
+            <a:pPr lvl="1">
+              <a:lnSpc>
+                <a:spcPct val="200000"/>
+              </a:lnSpc>
+            </a:pPr>
+            <a:r>
+              <a:rPr lang="fr-FR" dirty="0"/>
+              <a:t>Le visuel et l’ergonomie doivent être soignés pour une utilisation </a:t>
+            </a:r>
+            <a:r>
+              <a:rPr lang="fr-FR" dirty="0" smtClean="0"/>
+              <a:t>agréable</a:t>
+            </a:r>
+            <a:endParaRPr lang="fr-FR" dirty="0"/>
+          </a:p>
+        </p:txBody>
+      </p:sp>
+      <p:sp>
+        <p:nvSpPr>
+          <p:cNvPr id="5" name="Espace réservé du numéro de diapositive 4"/>
+          <p:cNvSpPr>
+            <a:spLocks noGrp="1"/>
+          </p:cNvSpPr>
+          <p:nvPr>
+            <p:ph type="sldNum" sz="quarter" idx="12"/>
+          </p:nvPr>
+        </p:nvSpPr>
+        <p:spPr/>
+        <p:txBody>
+          <a:bodyPr>
+            <a:normAutofit lnSpcReduction="10000"/>
+          </a:bodyPr>
+          <a:lstStyle/>
+          <a:p>
+            <a:fld id="{4FAB73BC-B049-4115-A692-8D63A059BFB8}" type="slidenum">
+              <a:rPr lang="en-US" smtClean="0"/>
+              <a:t>12</a:t>
+            </a:fld>
+            <a:endParaRPr lang="en-US" dirty="0"/>
+          </a:p>
+        </p:txBody>
+      </p:sp>
+    </p:spTree>
+    <p:extLst>
+      <p:ext uri="{BB962C8B-B14F-4D97-AF65-F5344CB8AC3E}">
+        <p14:creationId xmlns:p14="http://schemas.microsoft.com/office/powerpoint/2010/main" val="2908696770"/>
+      </p:ext>
+    </p:extLst>
+  </p:cSld>
+  <p:clrMapOvr>
+    <a:masterClrMapping/>
+  </p:clrMapOvr>
+  <p:timing>
+    <p:tnLst>
+      <p:par>
+        <p:cTn id="1" dur="indefinite" restart="never" nodeType="tmRoot"/>
+      </p:par>
+    </p:tnLst>
+  </p:timing>
+</p:sld>
+</file>
+
+<file path=ppt/slides/slide13.xml><?xml version="1.0" encoding="utf-8"?>
+<p:sld xmlns:a="http://schemas.openxmlformats.org/drawingml/2006/main" xmlns:r="http://schemas.openxmlformats.org/officeDocument/2006/relationships" xmlns:p="http://schemas.openxmlformats.org/presentationml/2006/main">
+  <p:cSld>
+    <p:spTree>
+      <p:nvGrpSpPr>
+        <p:cNvPr id="1" name=""/>
+        <p:cNvGrpSpPr/>
+        <p:nvPr/>
+      </p:nvGrpSpPr>
+      <p:grpSpPr>
+        <a:xfrm>
+          <a:off x="0" y="0"/>
+          <a:ext cx="0" cy="0"/>
+          <a:chOff x="0" y="0"/>
+          <a:chExt cx="0" cy="0"/>
+        </a:xfrm>
+      </p:grpSpPr>
+      <p:sp>
+        <p:nvSpPr>
+          <p:cNvPr id="2" name="Titre 1"/>
+          <p:cNvSpPr>
+            <a:spLocks noGrp="1"/>
+          </p:cNvSpPr>
+          <p:nvPr>
+            <p:ph type="title"/>
+          </p:nvPr>
+        </p:nvSpPr>
+        <p:spPr/>
+        <p:txBody>
+          <a:bodyPr/>
+          <a:lstStyle/>
+          <a:p>
+            <a:r>
+              <a:rPr lang="fr-FR" dirty="0" smtClean="0"/>
+              <a:t>Evolution possible</a:t>
+            </a:r>
+            <a:endParaRPr lang="fr-FR" dirty="0"/>
+          </a:p>
+        </p:txBody>
+      </p:sp>
+      <p:sp>
+        <p:nvSpPr>
+          <p:cNvPr id="3" name="Espace réservé du contenu 2"/>
+          <p:cNvSpPr>
+            <a:spLocks noGrp="1"/>
+          </p:cNvSpPr>
+          <p:nvPr>
+            <p:ph idx="1"/>
+          </p:nvPr>
+        </p:nvSpPr>
+        <p:spPr/>
+        <p:txBody>
+          <a:bodyPr>
+            <a:normAutofit/>
+          </a:bodyPr>
+          <a:lstStyle/>
+          <a:p>
+            <a:pPr>
+              <a:lnSpc>
+                <a:spcPct val="200000"/>
+              </a:lnSpc>
+            </a:pPr>
+            <a:r>
+              <a:rPr lang="fr-FR" dirty="0" smtClean="0"/>
+              <a:t>Ajout synthèse des versions</a:t>
+            </a:r>
+          </a:p>
+          <a:p>
+            <a:pPr>
+              <a:lnSpc>
+                <a:spcPct val="200000"/>
+              </a:lnSpc>
+            </a:pPr>
+            <a:r>
+              <a:rPr lang="fr-FR" dirty="0" smtClean="0"/>
+              <a:t>Ajout d’employé(s) et évolution des postes</a:t>
+            </a:r>
+          </a:p>
+          <a:p>
+            <a:pPr>
+              <a:lnSpc>
+                <a:spcPct val="200000"/>
+              </a:lnSpc>
+            </a:pPr>
+            <a:r>
+              <a:rPr lang="fr-FR" dirty="0" smtClean="0"/>
+              <a:t>Possibilité de changement de compte à la volée</a:t>
+            </a:r>
+          </a:p>
+          <a:p>
+            <a:pPr>
+              <a:lnSpc>
+                <a:spcPct val="200000"/>
+              </a:lnSpc>
+            </a:pPr>
+            <a:r>
+              <a:rPr lang="fr-FR" dirty="0" smtClean="0"/>
+              <a:t>Système d’authentification</a:t>
+            </a:r>
+          </a:p>
+          <a:p>
+            <a:pPr>
+              <a:lnSpc>
+                <a:spcPct val="200000"/>
+              </a:lnSpc>
+            </a:pPr>
+            <a:r>
+              <a:rPr lang="fr-FR" dirty="0" smtClean="0"/>
+              <a:t>Optimisation du code et de l’ergonomie de l’interface</a:t>
+            </a:r>
+          </a:p>
+        </p:txBody>
+      </p:sp>
+      <p:sp>
+        <p:nvSpPr>
+          <p:cNvPr id="5" name="Espace réservé du numéro de diapositive 4"/>
+          <p:cNvSpPr>
+            <a:spLocks noGrp="1"/>
+          </p:cNvSpPr>
+          <p:nvPr>
+            <p:ph type="sldNum" sz="quarter" idx="12"/>
+          </p:nvPr>
+        </p:nvSpPr>
+        <p:spPr/>
+        <p:txBody>
+          <a:bodyPr>
+            <a:normAutofit lnSpcReduction="10000"/>
+          </a:bodyPr>
+          <a:lstStyle/>
+          <a:p>
+            <a:fld id="{4FAB73BC-B049-4115-A692-8D63A059BFB8}" type="slidenum">
+              <a:rPr lang="en-US" smtClean="0"/>
+              <a:t>13</a:t>
+            </a:fld>
+            <a:endParaRPr lang="en-US" dirty="0"/>
+          </a:p>
+        </p:txBody>
+      </p:sp>
+    </p:spTree>
+    <p:extLst>
+      <p:ext uri="{BB962C8B-B14F-4D97-AF65-F5344CB8AC3E}">
+        <p14:creationId xmlns:p14="http://schemas.microsoft.com/office/powerpoint/2010/main" val="3632664135"/>
+      </p:ext>
+    </p:extLst>
+  </p:cSld>
+  <p:clrMapOvr>
+    <a:masterClrMapping/>
+  </p:clrMapOvr>
+  <p:timing>
+    <p:tnLst>
+      <p:par>
+        <p:cTn id="1" dur="indefinite" restart="never" nodeType="tmRoot"/>
+      </p:par>
+    </p:tnLst>
+  </p:timing>
+</p:sld>
+</file>
+
+<file path=ppt/slides/slide14.xml><?xml version="1.0" encoding="utf-8"?>
+<p:sld xmlns:a="http://schemas.openxmlformats.org/drawingml/2006/main" xmlns:r="http://schemas.openxmlformats.org/officeDocument/2006/relationships" xmlns:p="http://schemas.openxmlformats.org/presentationml/2006/main">
+  <p:cSld>
+    <p:spTree>
+      <p:nvGrpSpPr>
+        <p:cNvPr id="1" name=""/>
+        <p:cNvGrpSpPr/>
+        <p:nvPr/>
+      </p:nvGrpSpPr>
+      <p:grpSpPr>
+        <a:xfrm>
+          <a:off x="0" y="0"/>
+          <a:ext cx="0" cy="0"/>
+          <a:chOff x="0" y="0"/>
+          <a:chExt cx="0" cy="0"/>
+        </a:xfrm>
+      </p:grpSpPr>
+      <p:sp>
+        <p:nvSpPr>
+          <p:cNvPr id="2" name="Titre 1"/>
+          <p:cNvSpPr>
+            <a:spLocks noGrp="1"/>
+          </p:cNvSpPr>
+          <p:nvPr>
+            <p:ph type="title"/>
+          </p:nvPr>
+        </p:nvSpPr>
+        <p:spPr/>
+        <p:txBody>
+          <a:bodyPr/>
+          <a:lstStyle/>
+          <a:p>
+            <a:r>
+              <a:rPr lang="fr-FR" dirty="0" smtClean="0"/>
+              <a:t>Bilan d’</a:t>
+            </a:r>
+            <a:r>
+              <a:rPr lang="fr-FR" dirty="0"/>
+              <a:t>é</a:t>
+            </a:r>
+            <a:r>
+              <a:rPr lang="fr-FR" dirty="0" smtClean="0"/>
+              <a:t>quipe et personnel</a:t>
+            </a:r>
+            <a:endParaRPr lang="fr-FR" dirty="0"/>
+          </a:p>
+        </p:txBody>
+      </p:sp>
+      <p:sp>
+        <p:nvSpPr>
+          <p:cNvPr id="3" name="Espace réservé du contenu 2"/>
+          <p:cNvSpPr>
+            <a:spLocks noGrp="1"/>
+          </p:cNvSpPr>
+          <p:nvPr>
+            <p:ph idx="1"/>
+          </p:nvPr>
+        </p:nvSpPr>
+        <p:spPr/>
+        <p:txBody>
+          <a:bodyPr>
+            <a:normAutofit fontScale="92500" lnSpcReduction="10000"/>
+          </a:bodyPr>
+          <a:lstStyle/>
+          <a:p>
+            <a:pPr>
+              <a:lnSpc>
+                <a:spcPct val="150000"/>
+              </a:lnSpc>
+            </a:pPr>
+            <a:r>
+              <a:rPr lang="fr-FR" dirty="0" smtClean="0"/>
+              <a:t>Bonne répartition des tâches et organisation du travail</a:t>
+            </a:r>
+          </a:p>
+          <a:p>
+            <a:pPr>
+              <a:lnSpc>
+                <a:spcPct val="150000"/>
+              </a:lnSpc>
+            </a:pPr>
+            <a:r>
+              <a:rPr lang="fr-FR" dirty="0" smtClean="0"/>
+              <a:t>Manque de temps pour la phase d’alpha test</a:t>
+            </a:r>
+          </a:p>
+          <a:p>
+            <a:pPr>
+              <a:lnSpc>
+                <a:spcPct val="150000"/>
+              </a:lnSpc>
+            </a:pPr>
+            <a:r>
+              <a:rPr lang="fr-FR" dirty="0" smtClean="0"/>
+              <a:t>Compte tenu du délai : satisfaction du projet rendu</a:t>
+            </a:r>
+          </a:p>
+          <a:p>
+            <a:pPr>
+              <a:lnSpc>
+                <a:spcPct val="150000"/>
+              </a:lnSpc>
+            </a:pPr>
+            <a:r>
+              <a:rPr lang="fr-FR" dirty="0" smtClean="0"/>
+              <a:t>Intéressant de travailler sur un projet complet avec des personnes de niveaux semblables</a:t>
+            </a:r>
+          </a:p>
+          <a:p>
+            <a:pPr lvl="1">
+              <a:lnSpc>
+                <a:spcPct val="150000"/>
+              </a:lnSpc>
+            </a:pPr>
+            <a:r>
+              <a:rPr lang="fr-FR" dirty="0" smtClean="0"/>
+              <a:t>Organisation du travail d’équipe</a:t>
+            </a:r>
+          </a:p>
+          <a:p>
+            <a:pPr lvl="1">
+              <a:lnSpc>
+                <a:spcPct val="150000"/>
+              </a:lnSpc>
+            </a:pPr>
+            <a:r>
+              <a:rPr lang="fr-FR" dirty="0" smtClean="0"/>
+              <a:t>Documentation</a:t>
+            </a:r>
+          </a:p>
+          <a:p>
+            <a:pPr>
+              <a:lnSpc>
+                <a:spcPct val="150000"/>
+              </a:lnSpc>
+            </a:pPr>
+            <a:r>
+              <a:rPr lang="fr-FR" dirty="0" smtClean="0"/>
+              <a:t>Réalisation des limites de nos connaissances du model MVVM (validation, gestion des fenêtres modales, respect de l’encapsulation)</a:t>
+            </a:r>
+          </a:p>
+        </p:txBody>
+      </p:sp>
+      <p:sp>
+        <p:nvSpPr>
+          <p:cNvPr id="4" name="Espace réservé du numéro de diapositive 3"/>
+          <p:cNvSpPr>
+            <a:spLocks noGrp="1"/>
+          </p:cNvSpPr>
+          <p:nvPr>
+            <p:ph type="sldNum" sz="quarter" idx="12"/>
+          </p:nvPr>
+        </p:nvSpPr>
+        <p:spPr/>
+        <p:txBody>
+          <a:bodyPr>
+            <a:normAutofit lnSpcReduction="10000"/>
+          </a:bodyPr>
+          <a:lstStyle/>
+          <a:p>
+            <a:fld id="{4FAB73BC-B049-4115-A692-8D63A059BFB8}" type="slidenum">
+              <a:rPr lang="en-US" smtClean="0"/>
+              <a:t>14</a:t>
+            </a:fld>
+            <a:endParaRPr lang="en-US" dirty="0"/>
+          </a:p>
+        </p:txBody>
+      </p:sp>
+    </p:spTree>
+    <p:extLst>
+      <p:ext uri="{BB962C8B-B14F-4D97-AF65-F5344CB8AC3E}">
+        <p14:creationId xmlns:p14="http://schemas.microsoft.com/office/powerpoint/2010/main" val="3053232202"/>
+      </p:ext>
+    </p:extLst>
+  </p:cSld>
+  <p:clrMapOvr>
+    <a:masterClrMapping/>
+  </p:clrMapOvr>
+  <p:timing>
+    <p:tnLst>
+      <p:par>
+        <p:cTn id="1" dur="indefinite" restart="never" nodeType="tmRoot"/>
+      </p:par>
+    </p:tnLst>
+  </p:timing>
 </p:sld>
 </file>
 
@@ -4254,21 +4949,50 @@
           <a:bodyPr/>
           <a:lstStyle/>
           <a:p>
+            <a:pPr>
+              <a:lnSpc>
+                <a:spcPct val="250000"/>
+              </a:lnSpc>
+            </a:pPr>
             <a:r>
               <a:rPr lang="fr-FR" dirty="0" smtClean="0"/>
-              <a:t>LAVENDER Gaëtan</a:t>
-            </a:r>
-          </a:p>
-          <a:p>
+              <a:t>LAVENDER </a:t>
+            </a:r>
             <a:r>
               <a:rPr lang="fr-FR" dirty="0" smtClean="0"/>
-              <a:t>MILBOR Léo</a:t>
-            </a:r>
-          </a:p>
-          <a:p>
+              <a:t>Gaëtan (Master STIC)</a:t>
+            </a:r>
+            <a:endParaRPr lang="fr-FR" dirty="0" smtClean="0"/>
+          </a:p>
+          <a:p>
+            <a:pPr>
+              <a:lnSpc>
+                <a:spcPct val="250000"/>
+              </a:lnSpc>
+            </a:pPr>
             <a:r>
               <a:rPr lang="fr-FR" dirty="0" smtClean="0"/>
-              <a:t>WILLEMAIN Florian</a:t>
+              <a:t>MILBOR </a:t>
+            </a:r>
+            <a:r>
+              <a:rPr lang="fr-FR" dirty="0" smtClean="0"/>
+              <a:t>Léo (diplôme ENSMM)</a:t>
+            </a:r>
+            <a:endParaRPr lang="fr-FR" dirty="0" smtClean="0"/>
+          </a:p>
+          <a:p>
+            <a:pPr>
+              <a:lnSpc>
+                <a:spcPct val="250000"/>
+              </a:lnSpc>
+            </a:pPr>
+            <a:r>
+              <a:rPr lang="fr-FR" dirty="0" smtClean="0"/>
+              <a:t>WILLEMAIN </a:t>
+            </a:r>
+            <a:r>
+              <a:rPr lang="fr-FR" dirty="0" smtClean="0"/>
+              <a:t>Florian (Master systèmes et réseaux)</a:t>
             </a:r>
             <a:endParaRPr lang="fr-FR" dirty="0"/>
           </a:p>
@@ -4371,50 +5095,123 @@
         </p:nvSpPr>
         <p:spPr/>
         <p:txBody>
-          <a:bodyPr/>
-          <a:lstStyle/>
-          <a:p>
+          <a:bodyPr>
+            <a:normAutofit fontScale="77500" lnSpcReduction="20000"/>
+          </a:bodyPr>
+          <a:lstStyle/>
+          <a:p>
+            <a:pPr>
+              <a:lnSpc>
+                <a:spcPct val="150000"/>
+              </a:lnSpc>
+            </a:pPr>
             <a:r>
               <a:rPr lang="fr-FR" dirty="0" smtClean="0"/>
-              <a:t>Cahier des charges</a:t>
-            </a:r>
-          </a:p>
-          <a:p>
+              <a:t>Cahier des </a:t>
+            </a:r>
+            <a:r>
+              <a:rPr lang="fr-FR" dirty="0" smtClean="0"/>
+              <a:t>charges</a:t>
+            </a:r>
+          </a:p>
+          <a:p>
+            <a:pPr>
+              <a:lnSpc>
+                <a:spcPct val="150000"/>
+              </a:lnSpc>
+            </a:pPr>
+            <a:r>
+              <a:rPr lang="fr-FR" dirty="0" smtClean="0"/>
+              <a:t>Besoin fonctionnels</a:t>
+            </a:r>
+            <a:endParaRPr lang="fr-FR" dirty="0" smtClean="0"/>
+          </a:p>
+          <a:p>
+            <a:pPr>
+              <a:lnSpc>
+                <a:spcPct val="150000"/>
+              </a:lnSpc>
+            </a:pPr>
             <a:r>
               <a:rPr lang="fr-FR" dirty="0" smtClean="0"/>
               <a:t>Cas d’utilisation</a:t>
             </a:r>
           </a:p>
           <a:p>
+            <a:pPr>
+              <a:lnSpc>
+                <a:spcPct val="150000"/>
+              </a:lnSpc>
+            </a:pPr>
             <a:r>
               <a:rPr lang="fr-FR" dirty="0" smtClean="0"/>
               <a:t>Fonctionnalités</a:t>
             </a:r>
           </a:p>
           <a:p>
+            <a:pPr>
+              <a:lnSpc>
+                <a:spcPct val="150000"/>
+              </a:lnSpc>
+            </a:pPr>
             <a:r>
               <a:rPr lang="fr-FR" dirty="0" smtClean="0"/>
               <a:t>Architecture</a:t>
             </a:r>
           </a:p>
           <a:p>
+            <a:pPr>
+              <a:lnSpc>
+                <a:spcPct val="150000"/>
+              </a:lnSpc>
+            </a:pPr>
+            <a:r>
+              <a:rPr lang="fr-FR" dirty="0"/>
+              <a:t>Ressources </a:t>
+            </a:r>
             <a:r>
               <a:rPr lang="fr-FR" dirty="0" smtClean="0"/>
-              <a:t>Evolution possible</a:t>
-            </a:r>
-          </a:p>
-          <a:p>
-            <a:r>
-              <a:rPr lang="fr-FR" dirty="0" smtClean="0"/>
-              <a:t>Ressources utilisées</a:t>
-            </a:r>
-          </a:p>
-          <a:p>
+              <a:t>utilisées</a:t>
+            </a:r>
+          </a:p>
+          <a:p>
+            <a:pPr>
+              <a:lnSpc>
+                <a:spcPct val="150000"/>
+              </a:lnSpc>
+            </a:pPr>
             <a:r>
               <a:rPr lang="fr-FR" dirty="0" smtClean="0"/>
               <a:t>Conclusion</a:t>
             </a:r>
-            <a:endParaRPr lang="fr-FR" dirty="0"/>
+            <a:endParaRPr lang="fr-FR" dirty="0" smtClean="0"/>
+          </a:p>
+          <a:p>
+            <a:pPr>
+              <a:lnSpc>
+                <a:spcPct val="150000"/>
+              </a:lnSpc>
+            </a:pPr>
+            <a:r>
+              <a:rPr lang="fr-FR" dirty="0" smtClean="0"/>
+              <a:t>Evolution </a:t>
+            </a:r>
+            <a:r>
+              <a:rPr lang="fr-FR" dirty="0" smtClean="0"/>
+              <a:t>possible</a:t>
+            </a:r>
+          </a:p>
+          <a:p>
+            <a:pPr>
+              <a:lnSpc>
+                <a:spcPct val="150000"/>
+              </a:lnSpc>
+            </a:pPr>
+            <a:r>
+              <a:rPr lang="fr-FR" dirty="0" smtClean="0"/>
+              <a:t>Bilan</a:t>
+            </a:r>
+            <a:endParaRPr lang="fr-FR" dirty="0" smtClean="0"/>
           </a:p>
         </p:txBody>
       </p:sp>
@@ -4515,9 +5312,16 @@
         </p:nvSpPr>
         <p:spPr/>
         <p:txBody>
-          <a:bodyPr/>
-          <a:lstStyle/>
-          <a:p>
+          <a:bodyPr>
+            <a:normAutofit lnSpcReduction="10000"/>
+          </a:bodyPr>
+          <a:lstStyle/>
+          <a:p>
+            <a:pPr>
+              <a:lnSpc>
+                <a:spcPct val="150000"/>
+              </a:lnSpc>
+            </a:pPr>
             <a:r>
               <a:rPr lang="fr-FR" dirty="0" smtClean="0"/>
               <a:t>Editeur de logiciels scientifiques qui souhaite un système de gestion de tâches pour mieux suivre et planifier sa production : Job </a:t>
@@ -4532,34 +5336,60 @@
             </a:r>
           </a:p>
           <a:p>
+            <a:pPr>
+              <a:lnSpc>
+                <a:spcPct val="150000"/>
+              </a:lnSpc>
+            </a:pPr>
             <a:r>
               <a:rPr lang="fr-FR" dirty="0" smtClean="0"/>
               <a:t>Cahier des charges</a:t>
             </a:r>
           </a:p>
           <a:p>
-            <a:pPr lvl="1"/>
+            <a:pPr lvl="1">
+              <a:lnSpc>
+                <a:spcPct val="150000"/>
+              </a:lnSpc>
+            </a:pPr>
             <a:r>
               <a:rPr lang="fr-FR" dirty="0" smtClean="0"/>
               <a:t>Architecture MVVM</a:t>
             </a:r>
           </a:p>
           <a:p>
-            <a:pPr lvl="1"/>
+            <a:pPr lvl="1">
+              <a:lnSpc>
+                <a:spcPct val="150000"/>
+              </a:lnSpc>
+            </a:pPr>
             <a:r>
               <a:rPr lang="fr-FR" dirty="0" smtClean="0"/>
-              <a:t>Testabilité de l’application à l’aide d’un jeu de donné</a:t>
-            </a:r>
-          </a:p>
-          <a:p>
-            <a:pPr lvl="1"/>
+              <a:t>Testabilité de l’application à l’aide d’un jeu de </a:t>
+            </a:r>
+            <a:r>
+              <a:rPr lang="fr-FR" dirty="0" smtClean="0"/>
+              <a:t>données</a:t>
+            </a:r>
+            <a:endParaRPr lang="fr-FR" dirty="0" smtClean="0"/>
+          </a:p>
+          <a:p>
+            <a:pPr lvl="1">
+              <a:lnSpc>
+                <a:spcPct val="150000"/>
+              </a:lnSpc>
+            </a:pPr>
             <a:r>
               <a:rPr lang="fr-FR" dirty="0" smtClean="0"/>
               <a:t>Chaîne de connexion à la base de données modifiable via un fichier de configuration</a:t>
             </a:r>
           </a:p>
           <a:p>
-            <a:pPr lvl="1"/>
+            <a:pPr lvl="1">
+              <a:lnSpc>
+                <a:spcPct val="150000"/>
+              </a:lnSpc>
+            </a:pPr>
             <a:r>
               <a:rPr lang="fr-FR" dirty="0" smtClean="0"/>
               <a:t>Gérer deux types d’utilisateurs </a:t>
@@ -4578,26 +5408,38 @@
             </a:r>
           </a:p>
           <a:p>
-            <a:pPr lvl="1"/>
+            <a:pPr lvl="1">
+              <a:lnSpc>
+                <a:spcPct val="150000"/>
+              </a:lnSpc>
+            </a:pPr>
             <a:r>
               <a:rPr lang="fr-FR" dirty="0" smtClean="0"/>
               <a:t>Le dernier utilisateur doit être mémorisé et sélectionné automatiquement dans la liste déroulante</a:t>
             </a:r>
           </a:p>
           <a:p>
-            <a:pPr lvl="1"/>
+            <a:pPr lvl="1">
+              <a:lnSpc>
+                <a:spcPct val="150000"/>
+              </a:lnSpc>
+            </a:pPr>
             <a:r>
               <a:rPr lang="fr-FR" dirty="0" smtClean="0"/>
-              <a:t>Le visuel et l’ergonomie doivent être soignés pour </a:t>
-            </a:r>
-            <a:r>
-              <a:rPr lang="fr-FR" smtClean="0"/>
-              <a:t>une utilisation </a:t>
+              <a:t>Le visuel et l’ergonomie doivent être soignés pour une utilisation </a:t>
+            </a:r>
+            <a:r>
+              <a:rPr lang="fr-FR" dirty="0" smtClean="0"/>
+              <a:t>agréable</a:t>
             </a:r>
             <a:endParaRPr lang="fr-FR" dirty="0" smtClean="0"/>
           </a:p>
           <a:p>
-            <a:pPr lvl="1"/>
+            <a:pPr lvl="1">
+              <a:lnSpc>
+                <a:spcPct val="150000"/>
+              </a:lnSpc>
+            </a:pPr>
             <a:endParaRPr lang="fr-FR" i="1" dirty="0"/>
           </a:p>
         </p:txBody>
@@ -4680,10 +5522,9 @@
           <a:lstStyle/>
           <a:p>
             <a:r>
-              <a:rPr lang="fr-FR" dirty="0" smtClean="0"/>
-              <a:t>Cas d’utilisation</a:t>
-            </a:r>
-            <a:endParaRPr lang="fr-FR" dirty="0"/>
+              <a:rPr lang="fr-FR" dirty="0"/>
+              <a:t>Besoins fonctionnels</a:t>
+            </a:r>
           </a:p>
         </p:txBody>
       </p:sp>
@@ -4699,10 +5540,144 @@
         </p:nvSpPr>
         <p:spPr/>
         <p:txBody>
-          <a:bodyPr/>
-          <a:lstStyle/>
-          <a:p>
-            <a:endParaRPr lang="fr-FR"/>
+          <a:bodyPr>
+            <a:normAutofit/>
+          </a:bodyPr>
+          <a:lstStyle/>
+          <a:p>
+            <a:pPr lvl="1">
+              <a:lnSpc>
+                <a:spcPct val="200000"/>
+              </a:lnSpc>
+            </a:pPr>
+            <a:r>
+              <a:rPr lang="fr-FR" sz="1800" spc="10" dirty="0">
+                <a:solidFill>
+                  <a:schemeClr val="tx1"/>
+                </a:solidFill>
+              </a:rPr>
+              <a:t>Gestion des tâches de production (manager)</a:t>
+            </a:r>
+          </a:p>
+          <a:p>
+            <a:pPr lvl="1">
+              <a:lnSpc>
+                <a:spcPct val="200000"/>
+              </a:lnSpc>
+            </a:pPr>
+            <a:r>
+              <a:rPr lang="fr-FR" sz="1800" spc="10" dirty="0">
+                <a:solidFill>
+                  <a:schemeClr val="tx1"/>
+                </a:solidFill>
+              </a:rPr>
+              <a:t>Gestion des tâches </a:t>
+            </a:r>
+            <a:r>
+              <a:rPr lang="fr-FR" sz="1800" spc="10" dirty="0" smtClean="0">
+                <a:solidFill>
+                  <a:schemeClr val="tx1"/>
+                </a:solidFill>
+              </a:rPr>
+              <a:t>annexes (manager)</a:t>
+            </a:r>
+          </a:p>
+          <a:p>
+            <a:pPr lvl="1">
+              <a:lnSpc>
+                <a:spcPct val="200000"/>
+              </a:lnSpc>
+            </a:pPr>
+            <a:r>
+              <a:rPr lang="fr-FR" sz="1800" spc="10" dirty="0">
+                <a:solidFill>
+                  <a:schemeClr val="tx1"/>
+                </a:solidFill>
+              </a:rPr>
+              <a:t>Exportation des données en XML (manager</a:t>
+            </a:r>
+            <a:r>
+              <a:rPr lang="fr-FR" sz="1800" spc="10" dirty="0" smtClean="0">
+                <a:solidFill>
+                  <a:schemeClr val="tx1"/>
+                </a:solidFill>
+              </a:rPr>
+              <a:t>)</a:t>
+            </a:r>
+            <a:endParaRPr lang="fr-FR" sz="1800" spc="10" dirty="0">
+              <a:solidFill>
+                <a:schemeClr val="tx1"/>
+              </a:solidFill>
+            </a:endParaRPr>
+          </a:p>
+          <a:p>
+            <a:pPr lvl="1">
+              <a:lnSpc>
+                <a:spcPct val="200000"/>
+              </a:lnSpc>
+            </a:pPr>
+            <a:r>
+              <a:rPr lang="fr-FR" sz="1800" spc="10" dirty="0">
+                <a:solidFill>
+                  <a:schemeClr val="tx1"/>
+                </a:solidFill>
+              </a:rPr>
+              <a:t>Saisie de </a:t>
+            </a:r>
+            <a:r>
+              <a:rPr lang="fr-FR" sz="1800" spc="10" dirty="0" smtClean="0">
+                <a:solidFill>
+                  <a:schemeClr val="tx1"/>
+                </a:solidFill>
+              </a:rPr>
+              <a:t>temps</a:t>
+            </a:r>
+          </a:p>
+          <a:p>
+            <a:pPr lvl="1">
+              <a:lnSpc>
+                <a:spcPct val="200000"/>
+              </a:lnSpc>
+            </a:pPr>
+            <a:r>
+              <a:rPr lang="fr-FR" sz="1800" i="1" spc="10" dirty="0" smtClean="0">
+                <a:solidFill>
+                  <a:schemeClr val="tx1"/>
+                </a:solidFill>
+              </a:rPr>
+              <a:t>Synthèse des versions</a:t>
+            </a:r>
+          </a:p>
+          <a:p>
+            <a:pPr lvl="1">
+              <a:lnSpc>
+                <a:spcPct val="200000"/>
+              </a:lnSpc>
+            </a:pPr>
+            <a:r>
+              <a:rPr lang="fr-FR" sz="1800" spc="10" dirty="0" smtClean="0">
+                <a:solidFill>
+                  <a:schemeClr val="tx1"/>
+                </a:solidFill>
+              </a:rPr>
+              <a:t>A </a:t>
+            </a:r>
+            <a:r>
+              <a:rPr lang="fr-FR" sz="1800" spc="10" dirty="0">
+                <a:solidFill>
+                  <a:schemeClr val="tx1"/>
+                </a:solidFill>
+              </a:rPr>
+              <a:t>propos</a:t>
+            </a:r>
+          </a:p>
+          <a:p>
+            <a:pPr lvl="1">
+              <a:lnSpc>
+                <a:spcPct val="200000"/>
+              </a:lnSpc>
+            </a:pPr>
+            <a:endParaRPr lang="fr-FR" i="1" dirty="0"/>
           </a:p>
         </p:txBody>
       </p:sp>
@@ -4734,7 +5709,7 @@
     </p:spTree>
     <p:extLst>
       <p:ext uri="{BB962C8B-B14F-4D97-AF65-F5344CB8AC3E}">
-        <p14:creationId xmlns:p14="http://schemas.microsoft.com/office/powerpoint/2010/main" val="2807494192"/>
+        <p14:creationId xmlns:p14="http://schemas.microsoft.com/office/powerpoint/2010/main" val="1488949091"/>
       </p:ext>
     </p:extLst>
   </p:cSld>
@@ -4785,7 +5760,7 @@
           <a:p>
             <a:r>
               <a:rPr lang="fr-FR" dirty="0" smtClean="0"/>
-              <a:t>Fonctionnalités</a:t>
+              <a:t>Cas d’utilisation</a:t>
             </a:r>
             <a:endParaRPr lang="fr-FR" dirty="0"/>
           </a:p>
@@ -4793,26 +5768,7 @@
       </p:sp>
       <p:sp>
         <p:nvSpPr>
-          <p:cNvPr id="3" name="Espace réservé du contenu 2"/>
-          <p:cNvSpPr>
-            <a:spLocks noGrp="1"/>
-          </p:cNvSpPr>
-          <p:nvPr>
-            <p:ph idx="1"/>
-          </p:nvPr>
-        </p:nvSpPr>
-        <p:spPr/>
-        <p:txBody>
-          <a:bodyPr/>
-          <a:lstStyle/>
-          <a:p>
-            <a:endParaRPr lang="fr-FR"/>
-          </a:p>
-        </p:txBody>
-      </p:sp>
-      <p:sp>
-        <p:nvSpPr>
-          <p:cNvPr id="4" name="Espace réservé du numéro de diapositive 3"/>
+          <p:cNvPr id="5" name="Espace réservé du numéro de diapositive 4"/>
           <p:cNvSpPr>
             <a:spLocks noGrp="1"/>
           </p:cNvSpPr>
@@ -4835,10 +5791,39 @@
           </a:p>
         </p:txBody>
       </p:sp>
+      <p:pic>
+        <p:nvPicPr>
+          <p:cNvPr id="11" name="Espace réservé du contenu 10"/>
+          <p:cNvPicPr>
+            <a:picLocks noGrp="1" noChangeAspect="1"/>
+          </p:cNvPicPr>
+          <p:nvPr>
+            <p:ph idx="1"/>
+          </p:nvPr>
+        </p:nvPicPr>
+        <p:blipFill>
+          <a:blip r:embed="rId2">
+            <a:extLst>
+              <a:ext uri="{28A0092B-C50C-407E-A947-70E740481C1C}">
+                <a14:useLocalDpi xmlns:a14="http://schemas.microsoft.com/office/drawing/2010/main" val="0"/>
+              </a:ext>
+            </a:extLst>
+          </a:blip>
+          <a:stretch>
+            <a:fillRect/>
+          </a:stretch>
+        </p:blipFill>
+        <p:spPr>
+          <a:xfrm>
+            <a:off x="2637673" y="1828799"/>
+            <a:ext cx="4999819" cy="4937125"/>
+          </a:xfrm>
+        </p:spPr>
+      </p:pic>
     </p:spTree>
     <p:extLst>
       <p:ext uri="{BB962C8B-B14F-4D97-AF65-F5344CB8AC3E}">
-        <p14:creationId xmlns:p14="http://schemas.microsoft.com/office/powerpoint/2010/main" val="2905869235"/>
+        <p14:creationId xmlns:p14="http://schemas.microsoft.com/office/powerpoint/2010/main" val="2807494192"/>
       </p:ext>
     </p:extLst>
   </p:cSld>
@@ -4889,34 +5874,44 @@
           <a:p>
             <a:r>
               <a:rPr lang="fr-FR" dirty="0" smtClean="0"/>
-              <a:t>Architecture</a:t>
+              <a:t>Création d’une tâche</a:t>
             </a:r>
             <a:endParaRPr lang="fr-FR" dirty="0"/>
           </a:p>
         </p:txBody>
       </p:sp>
-      <p:sp>
-        <p:nvSpPr>
-          <p:cNvPr id="3" name="Espace réservé du contenu 2"/>
-          <p:cNvSpPr>
-            <a:spLocks noGrp="1"/>
-          </p:cNvSpPr>
+      <p:pic>
+        <p:nvPicPr>
+          <p:cNvPr id="5" name="Espace réservé du contenu 4"/>
+          <p:cNvPicPr>
+            <a:picLocks noGrp="1" noChangeAspect="1"/>
+          </p:cNvPicPr>
           <p:nvPr>
             <p:ph idx="1"/>
           </p:nvPr>
-        </p:nvSpPr>
-        <p:spPr/>
-        <p:txBody>
-          <a:bodyPr/>
-          <a:lstStyle/>
-          <a:p>
-            <a:endParaRPr lang="fr-FR"/>
-          </a:p>
-        </p:txBody>
-      </p:sp>
-      <p:sp>
-        <p:nvSpPr>
-          <p:cNvPr id="5" name="Espace réservé du numéro de diapositive 4"/>
+        </p:nvPicPr>
+        <p:blipFill>
+          <a:blip r:embed="rId2">
+            <a:extLst>
+              <a:ext uri="{28A0092B-C50C-407E-A947-70E740481C1C}">
+                <a14:useLocalDpi xmlns:a14="http://schemas.microsoft.com/office/drawing/2010/main" val="0"/>
+              </a:ext>
+            </a:extLst>
+          </a:blip>
+          <a:stretch>
+            <a:fillRect/>
+          </a:stretch>
+        </p:blipFill>
+        <p:spPr>
+          <a:xfrm>
+            <a:off x="2003589" y="1828799"/>
+            <a:ext cx="7586724" cy="4944759"/>
+          </a:xfrm>
+        </p:spPr>
+      </p:pic>
+      <p:sp>
+        <p:nvSpPr>
+          <p:cNvPr id="4" name="Espace réservé du numéro de diapositive 3"/>
           <p:cNvSpPr>
             <a:spLocks noGrp="1"/>
           </p:cNvSpPr>
@@ -4942,13 +5937,20 @@
     </p:spTree>
     <p:extLst>
       <p:ext uri="{BB962C8B-B14F-4D97-AF65-F5344CB8AC3E}">
-        <p14:creationId xmlns:p14="http://schemas.microsoft.com/office/powerpoint/2010/main" val="2637361127"/>
+        <p14:creationId xmlns:p14="http://schemas.microsoft.com/office/powerpoint/2010/main" val="4022917587"/>
       </p:ext>
     </p:extLst>
   </p:cSld>
   <p:clrMapOvr>
     <a:masterClrMapping/>
   </p:clrMapOvr>
+  <p:timing>
+    <p:tnLst>
+      <p:par>
+        <p:cTn id="1" dur="indefinite" restart="never" nodeType="tmRoot"/>
+      </p:par>
+    </p:tnLst>
+  </p:timing>
 </p:sld>
 </file>
 
@@ -4986,7 +5988,7 @@
           <a:p>
             <a:r>
               <a:rPr lang="fr-FR" dirty="0" smtClean="0"/>
-              <a:t>Evolution possible</a:t>
+              <a:t>Fonctionnalités</a:t>
             </a:r>
             <a:endParaRPr lang="fr-FR" dirty="0"/>
           </a:p>
@@ -5007,13 +6009,122 @@
           <a:bodyPr/>
           <a:lstStyle/>
           <a:p>
-            <a:endParaRPr lang="fr-FR"/>
-          </a:p>
-        </p:txBody>
-      </p:sp>
-      <p:sp>
-        <p:nvSpPr>
-          <p:cNvPr id="5" name="Espace réservé du numéro de diapositive 4"/>
+            <a:pPr lvl="1">
+              <a:lnSpc>
+                <a:spcPct val="200000"/>
+              </a:lnSpc>
+            </a:pPr>
+            <a:r>
+              <a:rPr lang="fr-FR" sz="1800" spc="10" dirty="0">
+                <a:solidFill>
+                  <a:schemeClr val="tx1"/>
+                </a:solidFill>
+              </a:rPr>
+              <a:t>Gestion des tâches de production (manager)</a:t>
+            </a:r>
+          </a:p>
+          <a:p>
+            <a:pPr lvl="1">
+              <a:lnSpc>
+                <a:spcPct val="200000"/>
+              </a:lnSpc>
+            </a:pPr>
+            <a:r>
+              <a:rPr lang="fr-FR" sz="1800" spc="10" dirty="0">
+                <a:solidFill>
+                  <a:schemeClr val="tx1"/>
+                </a:solidFill>
+              </a:rPr>
+              <a:t>Gestion des tâches </a:t>
+            </a:r>
+            <a:r>
+              <a:rPr lang="fr-FR" sz="1800" spc="10" dirty="0" smtClean="0">
+                <a:solidFill>
+                  <a:schemeClr val="tx1"/>
+                </a:solidFill>
+              </a:rPr>
+              <a:t>annexes (manager)</a:t>
+            </a:r>
+          </a:p>
+          <a:p>
+            <a:pPr lvl="1">
+              <a:lnSpc>
+                <a:spcPct val="200000"/>
+              </a:lnSpc>
+            </a:pPr>
+            <a:r>
+              <a:rPr lang="fr-FR" sz="1800" spc="10" dirty="0">
+                <a:solidFill>
+                  <a:schemeClr val="tx1"/>
+                </a:solidFill>
+              </a:rPr>
+              <a:t>Exportation des données en XML (manager</a:t>
+            </a:r>
+            <a:r>
+              <a:rPr lang="fr-FR" sz="1800" spc="10" dirty="0" smtClean="0">
+                <a:solidFill>
+                  <a:schemeClr val="tx1"/>
+                </a:solidFill>
+              </a:rPr>
+              <a:t>)</a:t>
+            </a:r>
+            <a:endParaRPr lang="fr-FR" sz="1800" spc="10" dirty="0">
+              <a:solidFill>
+                <a:schemeClr val="tx1"/>
+              </a:solidFill>
+            </a:endParaRPr>
+          </a:p>
+          <a:p>
+            <a:pPr lvl="1">
+              <a:lnSpc>
+                <a:spcPct val="200000"/>
+              </a:lnSpc>
+            </a:pPr>
+            <a:r>
+              <a:rPr lang="fr-FR" sz="1800" spc="10" dirty="0">
+                <a:solidFill>
+                  <a:schemeClr val="tx1"/>
+                </a:solidFill>
+              </a:rPr>
+              <a:t>Saisie de temps</a:t>
+            </a:r>
+          </a:p>
+          <a:p>
+            <a:pPr lvl="1">
+              <a:lnSpc>
+                <a:spcPct val="200000"/>
+              </a:lnSpc>
+            </a:pPr>
+            <a:r>
+              <a:rPr lang="fr-FR" sz="1800" spc="10" dirty="0" smtClean="0">
+                <a:solidFill>
+                  <a:schemeClr val="tx1"/>
+                </a:solidFill>
+              </a:rPr>
+              <a:t>A </a:t>
+            </a:r>
+            <a:r>
+              <a:rPr lang="fr-FR" sz="1800" spc="10" dirty="0">
+                <a:solidFill>
+                  <a:schemeClr val="tx1"/>
+                </a:solidFill>
+              </a:rPr>
+              <a:t>propos</a:t>
+            </a:r>
+          </a:p>
+          <a:p>
+            <a:pPr>
+              <a:lnSpc>
+                <a:spcPct val="200000"/>
+              </a:lnSpc>
+            </a:pPr>
+            <a:endParaRPr lang="fr-FR" dirty="0"/>
+          </a:p>
+        </p:txBody>
+      </p:sp>
+      <p:sp>
+        <p:nvSpPr>
+          <p:cNvPr id="4" name="Espace réservé du numéro de diapositive 3"/>
           <p:cNvSpPr>
             <a:spLocks noGrp="1"/>
           </p:cNvSpPr>
@@ -5039,13 +6150,20 @@
     </p:spTree>
     <p:extLst>
       <p:ext uri="{BB962C8B-B14F-4D97-AF65-F5344CB8AC3E}">
-        <p14:creationId xmlns:p14="http://schemas.microsoft.com/office/powerpoint/2010/main" val="3632664135"/>
+        <p14:creationId xmlns:p14="http://schemas.microsoft.com/office/powerpoint/2010/main" val="2905869235"/>
       </p:ext>
     </p:extLst>
   </p:cSld>
   <p:clrMapOvr>
     <a:masterClrMapping/>
   </p:clrMapOvr>
+  <p:timing>
+    <p:tnLst>
+      <p:par>
+        <p:cTn id="1" dur="indefinite" restart="never" nodeType="tmRoot"/>
+      </p:par>
+    </p:tnLst>
+  </p:timing>
 </p:sld>
 </file>
 
@@ -5083,28 +6201,9 @@
           <a:p>
             <a:r>
               <a:rPr lang="fr-FR" dirty="0" smtClean="0"/>
-              <a:t>Ressources utilisées</a:t>
+              <a:t>Architecture</a:t>
             </a:r>
             <a:endParaRPr lang="fr-FR" dirty="0"/>
-          </a:p>
-        </p:txBody>
-      </p:sp>
-      <p:sp>
-        <p:nvSpPr>
-          <p:cNvPr id="3" name="Espace réservé du contenu 2"/>
-          <p:cNvSpPr>
-            <a:spLocks noGrp="1"/>
-          </p:cNvSpPr>
-          <p:nvPr>
-            <p:ph idx="1"/>
-          </p:nvPr>
-        </p:nvSpPr>
-        <p:spPr/>
-        <p:txBody>
-          <a:bodyPr/>
-          <a:lstStyle/>
-          <a:p>
-            <a:endParaRPr lang="fr-FR"/>
           </a:p>
         </p:txBody>
       </p:sp>
@@ -5133,16 +6232,52 @@
           </a:p>
         </p:txBody>
       </p:sp>
+      <p:pic>
+        <p:nvPicPr>
+          <p:cNvPr id="6" name="Espace réservé du contenu 5"/>
+          <p:cNvPicPr>
+            <a:picLocks noGrp="1" noChangeAspect="1"/>
+          </p:cNvPicPr>
+          <p:nvPr>
+            <p:ph idx="1"/>
+          </p:nvPr>
+        </p:nvPicPr>
+        <p:blipFill>
+          <a:blip r:embed="rId2">
+            <a:extLst>
+              <a:ext uri="{28A0092B-C50C-407E-A947-70E740481C1C}">
+                <a14:useLocalDpi xmlns:a14="http://schemas.microsoft.com/office/drawing/2010/main" val="0"/>
+              </a:ext>
+            </a:extLst>
+          </a:blip>
+          <a:stretch>
+            <a:fillRect/>
+          </a:stretch>
+        </p:blipFill>
+        <p:spPr>
+          <a:xfrm>
+            <a:off x="1701968" y="2442215"/>
+            <a:ext cx="7344800" cy="2210108"/>
+          </a:xfrm>
+        </p:spPr>
+      </p:pic>
     </p:spTree>
     <p:extLst>
       <p:ext uri="{BB962C8B-B14F-4D97-AF65-F5344CB8AC3E}">
-        <p14:creationId xmlns:p14="http://schemas.microsoft.com/office/powerpoint/2010/main" val="3263233998"/>
+        <p14:creationId xmlns:p14="http://schemas.microsoft.com/office/powerpoint/2010/main" val="2137129424"/>
       </p:ext>
     </p:extLst>
   </p:cSld>
   <p:clrMapOvr>
     <a:masterClrMapping/>
   </p:clrMapOvr>
+  <p:timing>
+    <p:tnLst>
+      <p:par>
+        <p:cTn id="1" dur="indefinite" restart="never" nodeType="tmRoot"/>
+      </p:par>
+    </p:tnLst>
+  </p:timing>
 </p:sld>
 </file>
 

--- a/Livrables/Job Overview.pptx
+++ b/Livrables/Job Overview.pptx
@@ -14,8 +14,8 @@
     <p:sldId id="259" r:id="rId5"/>
     <p:sldId id="267" r:id="rId6"/>
     <p:sldId id="261" r:id="rId7"/>
-    <p:sldId id="270" r:id="rId8"/>
-    <p:sldId id="266" r:id="rId9"/>
+    <p:sldId id="266" r:id="rId8"/>
+    <p:sldId id="270" r:id="rId9"/>
     <p:sldId id="268" r:id="rId10"/>
     <p:sldId id="260" r:id="rId11"/>
     <p:sldId id="262" r:id="rId12"/>
@@ -210,7 +210,7 @@
           <a:p>
             <a:fld id="{7BCC3BB0-FD6F-4D6C-8177-A3328F653F53}" type="datetimeFigureOut">
               <a:rPr lang="fr-FR" smtClean="0"/>
-              <a:t>26/05/2017</a:t>
+              <a:t>29/05/2017</a:t>
             </a:fld>
             <a:endParaRPr lang="fr-FR"/>
           </a:p>
@@ -814,7 +814,7 @@
           <a:p>
             <a:fld id="{E6161AFF-F903-4C60-B7A9-2AD7FDA3939C}" type="datetime1">
               <a:rPr lang="en-US" smtClean="0"/>
-              <a:t>5/26/2017</a:t>
+              <a:t>5/29/2017</a:t>
             </a:fld>
             <a:endParaRPr lang="en-US" dirty="0"/>
           </a:p>
@@ -1038,7 +1038,7 @@
           <a:p>
             <a:fld id="{9DEABB6F-6145-41AC-8D82-E7FFB1813CFC}" type="datetime1">
               <a:rPr lang="en-US" smtClean="0"/>
-              <a:t>5/26/2017</a:t>
+              <a:t>5/29/2017</a:t>
             </a:fld>
             <a:endParaRPr lang="en-US" dirty="0"/>
           </a:p>
@@ -1213,7 +1213,7 @@
           <a:p>
             <a:fld id="{EA5CB43B-0B7A-425C-90DE-FCB7A63F4F4E}" type="datetime1">
               <a:rPr lang="en-US" smtClean="0"/>
-              <a:t>5/26/2017</a:t>
+              <a:t>5/29/2017</a:t>
             </a:fld>
             <a:endParaRPr lang="en-US" dirty="0"/>
           </a:p>
@@ -1378,7 +1378,7 @@
           <a:p>
             <a:fld id="{1EBBC3BA-762D-4F68-83EA-5B3154583DEF}" type="datetime1">
               <a:rPr lang="en-US" smtClean="0"/>
-              <a:t>5/26/2017</a:t>
+              <a:t>5/29/2017</a:t>
             </a:fld>
             <a:endParaRPr lang="en-US" dirty="0"/>
           </a:p>
@@ -1627,7 +1627,7 @@
           <a:p>
             <a:fld id="{9E38EC52-C979-4A84-B5BA-8CDDC540ABB0}" type="datetime1">
               <a:rPr lang="en-US" smtClean="0"/>
-              <a:t>5/26/2017</a:t>
+              <a:t>5/29/2017</a:t>
             </a:fld>
             <a:endParaRPr lang="en-US" dirty="0"/>
           </a:p>
@@ -1948,7 +1948,7 @@
           <a:p>
             <a:fld id="{A6DC8917-563B-4534-B10B-1A201A519895}" type="datetime1">
               <a:rPr lang="en-US" smtClean="0"/>
-              <a:t>5/26/2017</a:t>
+              <a:t>5/29/2017</a:t>
             </a:fld>
             <a:endParaRPr lang="en-US" dirty="0"/>
           </a:p>
@@ -2394,7 +2394,7 @@
           <a:p>
             <a:fld id="{590334DC-FC41-426B-AF48-0C4C04D29407}" type="datetime1">
               <a:rPr lang="en-US" smtClean="0"/>
-              <a:t>5/26/2017</a:t>
+              <a:t>5/29/2017</a:t>
             </a:fld>
             <a:endParaRPr lang="en-US" dirty="0"/>
           </a:p>
@@ -2507,7 +2507,7 @@
           <a:p>
             <a:fld id="{34C3E8DE-D993-4944-897F-0C9CE7F0BC9A}" type="datetime1">
               <a:rPr lang="en-US" smtClean="0"/>
-              <a:t>5/26/2017</a:t>
+              <a:t>5/29/2017</a:t>
             </a:fld>
             <a:endParaRPr lang="en-US" dirty="0"/>
           </a:p>
@@ -2597,7 +2597,7 @@
           <a:p>
             <a:fld id="{3FE0700C-8077-4607-BBC0-B508C2C3CD96}" type="datetime1">
               <a:rPr lang="en-US" smtClean="0"/>
-              <a:t>5/26/2017</a:t>
+              <a:t>5/29/2017</a:t>
             </a:fld>
             <a:endParaRPr lang="en-US" dirty="0"/>
           </a:p>
@@ -2879,7 +2879,7 @@
           <a:p>
             <a:fld id="{92120074-4849-4EF7-B412-62EFB52AB6E7}" type="datetime1">
               <a:rPr lang="en-US" smtClean="0"/>
-              <a:t>5/26/2017</a:t>
+              <a:t>5/29/2017</a:t>
             </a:fld>
             <a:endParaRPr lang="en-US" dirty="0"/>
           </a:p>
@@ -3199,7 +3199,7 @@
           <a:p>
             <a:fld id="{D59862FB-4D72-4D4A-81D1-0B8C19A0B439}" type="datetime1">
               <a:rPr lang="en-US" smtClean="0"/>
-              <a:t>5/26/2017</a:t>
+              <a:t>5/29/2017</a:t>
             </a:fld>
             <a:endParaRPr lang="en-US" dirty="0"/>
           </a:p>
@@ -3448,7 +3448,7 @@
           <a:p>
             <a:fld id="{76C32242-29D6-4765-8D62-F29E6C1E0A3F}" type="datetime1">
               <a:rPr lang="en-US" smtClean="0"/>
-              <a:t>5/26/2017</a:t>
+              <a:t>5/29/2017</a:t>
             </a:fld>
             <a:endParaRPr lang="en-US" dirty="0"/>
           </a:p>
@@ -4956,13 +4956,8 @@
             </a:pPr>
             <a:r>
               <a:rPr lang="fr-FR" dirty="0" smtClean="0"/>
-              <a:t>LAVENDER </a:t>
-            </a:r>
-            <a:r>
-              <a:rPr lang="fr-FR" dirty="0" smtClean="0"/>
-              <a:t>Gaëtan (Master STIC)</a:t>
-            </a:r>
-            <a:endParaRPr lang="fr-FR" dirty="0" smtClean="0"/>
+              <a:t>LAVENDER Gaëtan (Master STIC)</a:t>
+            </a:r>
           </a:p>
           <a:p>
             <a:pPr>
@@ -4972,13 +4967,8 @@
             </a:pPr>
             <a:r>
               <a:rPr lang="fr-FR" dirty="0" smtClean="0"/>
-              <a:t>MILBOR </a:t>
-            </a:r>
-            <a:r>
-              <a:rPr lang="fr-FR" dirty="0" smtClean="0"/>
-              <a:t>Léo (diplôme ENSMM)</a:t>
-            </a:r>
-            <a:endParaRPr lang="fr-FR" dirty="0" smtClean="0"/>
+              <a:t>MILBOR Léo (diplôme ENSMM)</a:t>
+            </a:r>
           </a:p>
           <a:p>
             <a:pPr>
@@ -4988,11 +4978,7 @@
             </a:pPr>
             <a:r>
               <a:rPr lang="fr-FR" dirty="0" smtClean="0"/>
-              <a:t>WILLEMAIN </a:t>
-            </a:r>
-            <a:r>
-              <a:rPr lang="fr-FR" dirty="0" smtClean="0"/>
-              <a:t>Florian (Master systèmes et réseaux)</a:t>
+              <a:t>WILLEMAIN Florian (Master systèmes et réseaux)</a:t>
             </a:r>
             <a:endParaRPr lang="fr-FR" dirty="0"/>
           </a:p>
@@ -5107,11 +5093,7 @@
             </a:pPr>
             <a:r>
               <a:rPr lang="fr-FR" dirty="0" smtClean="0"/>
-              <a:t>Cahier des </a:t>
-            </a:r>
-            <a:r>
-              <a:rPr lang="fr-FR" dirty="0" smtClean="0"/>
-              <a:t>charges</a:t>
+              <a:t>Cahier des charges</a:t>
             </a:r>
           </a:p>
           <a:p>
@@ -5124,7 +5106,6 @@
               <a:rPr lang="fr-FR" dirty="0" smtClean="0"/>
               <a:t>Besoin fonctionnels</a:t>
             </a:r>
-            <a:endParaRPr lang="fr-FR" dirty="0" smtClean="0"/>
           </a:p>
           <a:p>
             <a:pPr>
@@ -5184,7 +5165,6 @@
               <a:rPr lang="fr-FR" dirty="0" smtClean="0"/>
               <a:t>Conclusion</a:t>
             </a:r>
-            <a:endParaRPr lang="fr-FR" dirty="0" smtClean="0"/>
           </a:p>
           <a:p>
             <a:pPr>
@@ -5194,11 +5174,7 @@
             </a:pPr>
             <a:r>
               <a:rPr lang="fr-FR" dirty="0" smtClean="0"/>
-              <a:t>Evolution </a:t>
-            </a:r>
-            <a:r>
-              <a:rPr lang="fr-FR" dirty="0" smtClean="0"/>
-              <a:t>possible</a:t>
+              <a:t>Evolution possible</a:t>
             </a:r>
           </a:p>
           <a:p>
@@ -5211,7 +5187,6 @@
               <a:rPr lang="fr-FR" dirty="0" smtClean="0"/>
               <a:t>Bilan</a:t>
             </a:r>
-            <a:endParaRPr lang="fr-FR" dirty="0" smtClean="0"/>
           </a:p>
         </p:txBody>
       </p:sp>
@@ -5365,13 +5340,8 @@
             </a:pPr>
             <a:r>
               <a:rPr lang="fr-FR" dirty="0" smtClean="0"/>
-              <a:t>Testabilité de l’application à l’aide d’un jeu de </a:t>
-            </a:r>
-            <a:r>
-              <a:rPr lang="fr-FR" dirty="0" smtClean="0"/>
-              <a:t>données</a:t>
-            </a:r>
-            <a:endParaRPr lang="fr-FR" dirty="0" smtClean="0"/>
+              <a:t>Testabilité de l’application à l’aide d’un jeu de données</a:t>
+            </a:r>
           </a:p>
           <a:p>
             <a:pPr lvl="1">
@@ -5426,13 +5396,8 @@
             </a:pPr>
             <a:r>
               <a:rPr lang="fr-FR" dirty="0" smtClean="0"/>
-              <a:t>Le visuel et l’ergonomie doivent être soignés pour une utilisation </a:t>
-            </a:r>
-            <a:r>
-              <a:rPr lang="fr-FR" dirty="0" smtClean="0"/>
-              <a:t>agréable</a:t>
-            </a:r>
-            <a:endParaRPr lang="fr-FR" dirty="0" smtClean="0"/>
+              <a:t>Le visuel et l’ergonomie doivent être soignés pour une utilisation agréable</a:t>
+            </a:r>
           </a:p>
           <a:p>
             <a:pPr lvl="1">
@@ -5874,41 +5839,140 @@
           <a:p>
             <a:r>
               <a:rPr lang="fr-FR" dirty="0" smtClean="0"/>
-              <a:t>Création d’une tâche</a:t>
+              <a:t>Fonctionnalités</a:t>
             </a:r>
             <a:endParaRPr lang="fr-FR" dirty="0"/>
           </a:p>
         </p:txBody>
       </p:sp>
-      <p:pic>
-        <p:nvPicPr>
-          <p:cNvPr id="5" name="Espace réservé du contenu 4"/>
-          <p:cNvPicPr>
-            <a:picLocks noGrp="1" noChangeAspect="1"/>
-          </p:cNvPicPr>
+      <p:sp>
+        <p:nvSpPr>
+          <p:cNvPr id="3" name="Espace réservé du contenu 2"/>
+          <p:cNvSpPr>
+            <a:spLocks noGrp="1"/>
+          </p:cNvSpPr>
           <p:nvPr>
             <p:ph idx="1"/>
           </p:nvPr>
-        </p:nvPicPr>
-        <p:blipFill>
-          <a:blip r:embed="rId2">
-            <a:extLst>
-              <a:ext uri="{28A0092B-C50C-407E-A947-70E740481C1C}">
-                <a14:useLocalDpi xmlns:a14="http://schemas.microsoft.com/office/drawing/2010/main" val="0"/>
-              </a:ext>
-            </a:extLst>
-          </a:blip>
-          <a:stretch>
-            <a:fillRect/>
-          </a:stretch>
-        </p:blipFill>
-        <p:spPr>
-          <a:xfrm>
-            <a:off x="2003589" y="1828799"/>
-            <a:ext cx="7586724" cy="4944759"/>
-          </a:xfrm>
-        </p:spPr>
-      </p:pic>
+        </p:nvSpPr>
+        <p:spPr/>
+        <p:txBody>
+          <a:bodyPr/>
+          <a:lstStyle/>
+          <a:p>
+            <a:pPr lvl="1">
+              <a:lnSpc>
+                <a:spcPct val="200000"/>
+              </a:lnSpc>
+            </a:pPr>
+            <a:r>
+              <a:rPr lang="fr-FR" sz="1800" spc="10" dirty="0">
+                <a:solidFill>
+                  <a:schemeClr val="tx1"/>
+                </a:solidFill>
+              </a:rPr>
+              <a:t>Gestion des tâches de production (manager)</a:t>
+            </a:r>
+          </a:p>
+          <a:p>
+            <a:pPr lvl="1">
+              <a:lnSpc>
+                <a:spcPct val="200000"/>
+              </a:lnSpc>
+            </a:pPr>
+            <a:r>
+              <a:rPr lang="fr-FR" sz="1800" spc="10" dirty="0">
+                <a:solidFill>
+                  <a:schemeClr val="tx1"/>
+                </a:solidFill>
+              </a:rPr>
+              <a:t>Gestion des tâches </a:t>
+            </a:r>
+            <a:r>
+              <a:rPr lang="fr-FR" sz="1800" spc="10" dirty="0" smtClean="0">
+                <a:solidFill>
+                  <a:schemeClr val="tx1"/>
+                </a:solidFill>
+              </a:rPr>
+              <a:t>annexes (manager)</a:t>
+            </a:r>
+          </a:p>
+          <a:p>
+            <a:pPr lvl="1">
+              <a:lnSpc>
+                <a:spcPct val="200000"/>
+              </a:lnSpc>
+            </a:pPr>
+            <a:r>
+              <a:rPr lang="fr-FR" sz="1800" spc="10" dirty="0">
+                <a:solidFill>
+                  <a:schemeClr val="tx1"/>
+                </a:solidFill>
+              </a:rPr>
+              <a:t>Exportation des données en XML (manager</a:t>
+            </a:r>
+            <a:r>
+              <a:rPr lang="fr-FR" sz="1800" spc="10" dirty="0" smtClean="0">
+                <a:solidFill>
+                  <a:schemeClr val="tx1"/>
+                </a:solidFill>
+              </a:rPr>
+              <a:t>)</a:t>
+            </a:r>
+            <a:endParaRPr lang="fr-FR" sz="1800" spc="10" dirty="0">
+              <a:solidFill>
+                <a:schemeClr val="tx1"/>
+              </a:solidFill>
+            </a:endParaRPr>
+          </a:p>
+          <a:p>
+            <a:pPr lvl="1">
+              <a:lnSpc>
+                <a:spcPct val="200000"/>
+              </a:lnSpc>
+            </a:pPr>
+            <a:r>
+              <a:rPr lang="fr-FR" sz="1800" spc="10" dirty="0">
+                <a:solidFill>
+                  <a:schemeClr val="tx1"/>
+                </a:solidFill>
+              </a:rPr>
+              <a:t>Saisie de temps</a:t>
+            </a:r>
+          </a:p>
+          <a:p>
+            <a:pPr lvl="1">
+              <a:lnSpc>
+                <a:spcPct val="200000"/>
+              </a:lnSpc>
+            </a:pPr>
+            <a:r>
+              <a:rPr lang="fr-FR" sz="1800" spc="10" dirty="0" smtClean="0">
+                <a:solidFill>
+                  <a:schemeClr val="tx1"/>
+                </a:solidFill>
+              </a:rPr>
+              <a:t>A </a:t>
+            </a:r>
+            <a:r>
+              <a:rPr lang="fr-FR" sz="1800" spc="10" dirty="0">
+                <a:solidFill>
+                  <a:schemeClr val="tx1"/>
+                </a:solidFill>
+              </a:rPr>
+              <a:t>propos</a:t>
+            </a:r>
+          </a:p>
+          <a:p>
+            <a:pPr>
+              <a:lnSpc>
+                <a:spcPct val="200000"/>
+              </a:lnSpc>
+            </a:pPr>
+            <a:endParaRPr lang="fr-FR" dirty="0"/>
+          </a:p>
+        </p:txBody>
+      </p:sp>
       <p:sp>
         <p:nvSpPr>
           <p:cNvPr id="4" name="Espace réservé du numéro de diapositive 3"/>
@@ -5937,7 +6001,7 @@
     </p:spTree>
     <p:extLst>
       <p:ext uri="{BB962C8B-B14F-4D97-AF65-F5344CB8AC3E}">
-        <p14:creationId xmlns:p14="http://schemas.microsoft.com/office/powerpoint/2010/main" val="4022917587"/>
+        <p14:creationId xmlns:p14="http://schemas.microsoft.com/office/powerpoint/2010/main" val="2905869235"/>
       </p:ext>
     </p:extLst>
   </p:cSld>
@@ -5988,140 +6052,41 @@
           <a:p>
             <a:r>
               <a:rPr lang="fr-FR" dirty="0" smtClean="0"/>
-              <a:t>Fonctionnalités</a:t>
+              <a:t>Création d’une tâche</a:t>
             </a:r>
             <a:endParaRPr lang="fr-FR" dirty="0"/>
           </a:p>
         </p:txBody>
       </p:sp>
-      <p:sp>
-        <p:nvSpPr>
-          <p:cNvPr id="3" name="Espace réservé du contenu 2"/>
-          <p:cNvSpPr>
-            <a:spLocks noGrp="1"/>
-          </p:cNvSpPr>
+      <p:pic>
+        <p:nvPicPr>
+          <p:cNvPr id="5" name="Espace réservé du contenu 4"/>
+          <p:cNvPicPr>
+            <a:picLocks noGrp="1" noChangeAspect="1"/>
+          </p:cNvPicPr>
           <p:nvPr>
             <p:ph idx="1"/>
           </p:nvPr>
-        </p:nvSpPr>
-        <p:spPr/>
-        <p:txBody>
-          <a:bodyPr/>
-          <a:lstStyle/>
-          <a:p>
-            <a:pPr lvl="1">
-              <a:lnSpc>
-                <a:spcPct val="200000"/>
-              </a:lnSpc>
-            </a:pPr>
-            <a:r>
-              <a:rPr lang="fr-FR" sz="1800" spc="10" dirty="0">
-                <a:solidFill>
-                  <a:schemeClr val="tx1"/>
-                </a:solidFill>
-              </a:rPr>
-              <a:t>Gestion des tâches de production (manager)</a:t>
-            </a:r>
-          </a:p>
-          <a:p>
-            <a:pPr lvl="1">
-              <a:lnSpc>
-                <a:spcPct val="200000"/>
-              </a:lnSpc>
-            </a:pPr>
-            <a:r>
-              <a:rPr lang="fr-FR" sz="1800" spc="10" dirty="0">
-                <a:solidFill>
-                  <a:schemeClr val="tx1"/>
-                </a:solidFill>
-              </a:rPr>
-              <a:t>Gestion des tâches </a:t>
-            </a:r>
-            <a:r>
-              <a:rPr lang="fr-FR" sz="1800" spc="10" dirty="0" smtClean="0">
-                <a:solidFill>
-                  <a:schemeClr val="tx1"/>
-                </a:solidFill>
-              </a:rPr>
-              <a:t>annexes (manager)</a:t>
-            </a:r>
-          </a:p>
-          <a:p>
-            <a:pPr lvl="1">
-              <a:lnSpc>
-                <a:spcPct val="200000"/>
-              </a:lnSpc>
-            </a:pPr>
-            <a:r>
-              <a:rPr lang="fr-FR" sz="1800" spc="10" dirty="0">
-                <a:solidFill>
-                  <a:schemeClr val="tx1"/>
-                </a:solidFill>
-              </a:rPr>
-              <a:t>Exportation des données en XML (manager</a:t>
-            </a:r>
-            <a:r>
-              <a:rPr lang="fr-FR" sz="1800" spc="10" dirty="0" smtClean="0">
-                <a:solidFill>
-                  <a:schemeClr val="tx1"/>
-                </a:solidFill>
-              </a:rPr>
-              <a:t>)</a:t>
-            </a:r>
-            <a:endParaRPr lang="fr-FR" sz="1800" spc="10" dirty="0">
-              <a:solidFill>
-                <a:schemeClr val="tx1"/>
-              </a:solidFill>
-            </a:endParaRPr>
-          </a:p>
-          <a:p>
-            <a:pPr lvl="1">
-              <a:lnSpc>
-                <a:spcPct val="200000"/>
-              </a:lnSpc>
-            </a:pPr>
-            <a:r>
-              <a:rPr lang="fr-FR" sz="1800" spc="10" dirty="0">
-                <a:solidFill>
-                  <a:schemeClr val="tx1"/>
-                </a:solidFill>
-              </a:rPr>
-              <a:t>Saisie de temps</a:t>
-            </a:r>
-          </a:p>
-          <a:p>
-            <a:pPr lvl="1">
-              <a:lnSpc>
-                <a:spcPct val="200000"/>
-              </a:lnSpc>
-            </a:pPr>
-            <a:r>
-              <a:rPr lang="fr-FR" sz="1800" spc="10" dirty="0" smtClean="0">
-                <a:solidFill>
-                  <a:schemeClr val="tx1"/>
-                </a:solidFill>
-              </a:rPr>
-              <a:t>A </a:t>
-            </a:r>
-            <a:r>
-              <a:rPr lang="fr-FR" sz="1800" spc="10" dirty="0">
-                <a:solidFill>
-                  <a:schemeClr val="tx1"/>
-                </a:solidFill>
-              </a:rPr>
-              <a:t>propos</a:t>
-            </a:r>
-          </a:p>
-          <a:p>
-            <a:pPr>
-              <a:lnSpc>
-                <a:spcPct val="200000"/>
-              </a:lnSpc>
-            </a:pPr>
-            <a:endParaRPr lang="fr-FR" dirty="0"/>
-          </a:p>
-        </p:txBody>
-      </p:sp>
+        </p:nvPicPr>
+        <p:blipFill>
+          <a:blip r:embed="rId2">
+            <a:extLst>
+              <a:ext uri="{28A0092B-C50C-407E-A947-70E740481C1C}">
+                <a14:useLocalDpi xmlns:a14="http://schemas.microsoft.com/office/drawing/2010/main" val="0"/>
+              </a:ext>
+            </a:extLst>
+          </a:blip>
+          <a:stretch>
+            <a:fillRect/>
+          </a:stretch>
+        </p:blipFill>
+        <p:spPr>
+          <a:xfrm>
+            <a:off x="2003589" y="1828799"/>
+            <a:ext cx="7586724" cy="4944759"/>
+          </a:xfrm>
+        </p:spPr>
+      </p:pic>
       <p:sp>
         <p:nvSpPr>
           <p:cNvPr id="4" name="Espace réservé du numéro de diapositive 3"/>
@@ -6150,7 +6115,7 @@
     </p:spTree>
     <p:extLst>
       <p:ext uri="{BB962C8B-B14F-4D97-AF65-F5344CB8AC3E}">
-        <p14:creationId xmlns:p14="http://schemas.microsoft.com/office/powerpoint/2010/main" val="2905869235"/>
+        <p14:creationId xmlns:p14="http://schemas.microsoft.com/office/powerpoint/2010/main" val="4022917587"/>
       </p:ext>
     </p:extLst>
   </p:cSld>
